--- a/slides/_resources/templates/pptx/RMLecturepptxTemplate.pptx
+++ b/slides/_resources/templates/pptx/RMLecturepptxTemplate.pptx
@@ -5,16 +5,10 @@
     <p:sldMasterId id="2147483686" r:id="rId1"/>
   </p:sldMasterIdLst>
   <p:notesMasterIdLst>
-    <p:notesMasterId r:id="rId9"/>
+    <p:notesMasterId r:id="rId3"/>
   </p:notesMasterIdLst>
   <p:sldIdLst>
     <p:sldId id="256" r:id="rId2"/>
-    <p:sldId id="257" r:id="rId3"/>
-    <p:sldId id="258" r:id="rId4"/>
-    <p:sldId id="259" r:id="rId5"/>
-    <p:sldId id="260" r:id="rId6"/>
-    <p:sldId id="261" r:id="rId7"/>
-    <p:sldId id="262" r:id="rId8"/>
   </p:sldIdLst>
   <p:sldSz cx="12192000" cy="6858000"/>
   <p:notesSz cx="6858000" cy="9144000"/>
@@ -214,7 +208,7 @@
           <a:p>
             <a:fld id="{0F9C1CCF-B725-44A7-AA57-5E433BD85C9F}" type="datetimeFigureOut">
               <a:rPr lang="en-US" smtClean="0"/>
-              <a:t>9/30/22</a:t>
+              <a:t>9/24/23</a:t>
             </a:fld>
             <a:endParaRPr lang="en-US"/>
           </a:p>
@@ -481,95 +475,6 @@
 </p:notesMaster>
 </file>
 
-<file path=ppt/notesSlides/notesSlide1.xml><?xml version="1.0" encoding="utf-8"?>
-<p:notes xmlns:a="http://schemas.openxmlformats.org/drawingml/2006/main" xmlns:r="http://schemas.openxmlformats.org/officeDocument/2006/relationships" xmlns:p="http://schemas.openxmlformats.org/presentationml/2006/main">
-  <p:cSld>
-    <p:spTree>
-      <p:nvGrpSpPr>
-        <p:cNvPr id="1" name=""/>
-        <p:cNvGrpSpPr/>
-        <p:nvPr/>
-      </p:nvGrpSpPr>
-      <p:grpSpPr>
-        <a:xfrm>
-          <a:off x="0" y="0"/>
-          <a:ext cx="0" cy="0"/>
-          <a:chOff x="0" y="0"/>
-          <a:chExt cx="0" cy="0"/>
-        </a:xfrm>
-      </p:grpSpPr>
-      <p:sp>
-        <p:nvSpPr>
-          <p:cNvPr id="2" name="Slide Image Placeholder 1"/>
-          <p:cNvSpPr>
-            <a:spLocks noGrp="1" noRot="1" noChangeAspect="1"/>
-          </p:cNvSpPr>
-          <p:nvPr>
-            <p:ph type="sldImg"/>
-          </p:nvPr>
-        </p:nvSpPr>
-        <p:spPr>
-          <a:xfrm>
-            <a:off x="685800" y="1143000"/>
-            <a:ext cx="5486400" cy="3086100"/>
-          </a:xfrm>
-        </p:spPr>
-      </p:sp>
-      <p:sp>
-        <p:nvSpPr>
-          <p:cNvPr id="3" name="Notes Placeholder 2"/>
-          <p:cNvSpPr>
-            <a:spLocks noGrp="1"/>
-          </p:cNvSpPr>
-          <p:nvPr>
-            <p:ph type="body" idx="1"/>
-          </p:nvPr>
-        </p:nvSpPr>
-        <p:spPr/>
-        <p:txBody>
-          <a:bodyPr/>
-          <a:lstStyle/>
-          <a:p>
-            <a:pPr marL="0" lvl="0" indent="0">
-              <a:buNone/>
-            </a:pPr>
-            <a:r>
-              <a:t>Like this.</a:t>
-            </a:r>
-          </a:p>
-        </p:txBody>
-      </p:sp>
-      <p:sp>
-        <p:nvSpPr>
-          <p:cNvPr id="4" name="Slide Number Placeholder 3"/>
-          <p:cNvSpPr>
-            <a:spLocks noGrp="1"/>
-          </p:cNvSpPr>
-          <p:nvPr>
-            <p:ph type="sldNum" sz="quarter" idx="10"/>
-          </p:nvPr>
-        </p:nvSpPr>
-        <p:spPr/>
-        <p:txBody>
-          <a:bodyPr/>
-          <a:lstStyle/>
-          <a:p>
-            <a:fld id="{18BDFEC3-8487-43E8-A154-7C12CBC1FFF2}" type="slidenum">
-              <a:rPr lang="en-US"/>
-              <a:t>6</a:t>
-            </a:fld>
-            <a:endParaRPr lang="en-US"/>
-          </a:p>
-        </p:txBody>
-      </p:sp>
-    </p:spTree>
-  </p:cSld>
-  <p:clrMapOvr>
-    <a:masterClrMapping/>
-  </p:clrMapOvr>
-</p:notes>
-</file>
-
 <file path=ppt/slideLayouts/slideLayout1.xml><?xml version="1.0" encoding="utf-8"?>
 <p:sldLayout xmlns:a="http://schemas.openxmlformats.org/drawingml/2006/main" xmlns:r="http://schemas.openxmlformats.org/officeDocument/2006/relationships" xmlns:p="http://schemas.openxmlformats.org/presentationml/2006/main" type="title" preserve="1">
   <p:cSld name="Title Slide">
@@ -746,7 +651,7 @@
             <a:fld id="{241EB5C9-1307-BA42-ABA2-0BC069CD8E7F}" type="datetimeFigureOut">
               <a:rPr lang="en-US" smtClean="0"/>
               <a:pPr/>
-              <a:t>9/30/22</a:t>
+              <a:t>9/24/23</a:t>
             </a:fld>
             <a:endParaRPr lang="en-US" dirty="0"/>
           </a:p>
@@ -839,10 +744,10 @@
       </p:sp>
       <p:pic>
         <p:nvPicPr>
-          <p:cNvPr id="7" name="Picture 6" descr="A picture containing text, primate, monitor, indoor&#10;&#10;Description automatically generated">
-            <a:extLst>
-              <a:ext uri="{FF2B5EF4-FFF2-40B4-BE49-F238E27FC236}">
-                <a16:creationId xmlns:a16="http://schemas.microsoft.com/office/drawing/2014/main" id="{B6FBD17D-F718-95C1-DDB9-BB5B65FE2BD9}"/>
+          <p:cNvPr id="9" name="Picture 8" descr="A cartoon monkey holding a magnifying glass&#10;&#10;Description automatically generated">
+            <a:extLst>
+              <a:ext uri="{FF2B5EF4-FFF2-40B4-BE49-F238E27FC236}">
+                <a16:creationId xmlns:a16="http://schemas.microsoft.com/office/drawing/2014/main" id="{E0280DB6-DDF3-4C1F-AC17-984168E43E44}"/>
               </a:ext>
             </a:extLst>
           </p:cNvPr>
@@ -859,8 +764,8 @@
         </p:blipFill>
         <p:spPr>
           <a:xfrm>
-            <a:off x="10913450" y="151609"/>
-            <a:ext cx="1063580" cy="1220148"/>
+            <a:off x="10668000" y="77267"/>
+            <a:ext cx="1524000" cy="1524000"/>
           </a:xfrm>
           <a:prstGeom prst="rect">
             <a:avLst/>
@@ -1089,7 +994,7 @@
             <a:fld id="{241EB5C9-1307-BA42-ABA2-0BC069CD8E7F}" type="datetimeFigureOut">
               <a:rPr lang="en-US" smtClean="0"/>
               <a:pPr/>
-              <a:t>9/30/22</a:t>
+              <a:t>9/24/23</a:t>
             </a:fld>
             <a:endParaRPr lang="en-US"/>
           </a:p>
@@ -1407,7 +1312,7 @@
             <a:fld id="{241EB5C9-1307-BA42-ABA2-0BC069CD8E7F}" type="datetimeFigureOut">
               <a:rPr lang="en-US" smtClean="0"/>
               <a:pPr/>
-              <a:t>9/30/22</a:t>
+              <a:t>9/24/23</a:t>
             </a:fld>
             <a:endParaRPr lang="en-US"/>
           </a:p>
@@ -1723,7 +1628,7 @@
           <a:p>
             <a:fld id="{241EB5C9-1307-BA42-ABA2-0BC069CD8E7F}" type="datetimeFigureOut">
               <a:rPr lang="en-US" smtClean="0"/>
-              <a:t>9/30/22</a:t>
+              <a:t>9/24/23</a:t>
             </a:fld>
             <a:endParaRPr lang="en-US"/>
           </a:p>
@@ -1793,7 +1698,7 @@
       </p:sp>
       <p:pic>
         <p:nvPicPr>
-          <p:cNvPr id="7" name="Picture 6" descr="A picture containing text, primate, monitor, indoor&#10;&#10;Description automatically generated">
+          <p:cNvPr id="7" name="Picture 6">
             <a:extLst>
               <a:ext uri="{FF2B5EF4-FFF2-40B4-BE49-F238E27FC236}">
                 <a16:creationId xmlns:a16="http://schemas.microsoft.com/office/drawing/2014/main" id="{F4EFD39C-D04F-D648-B6B2-07092A492153}"/>
@@ -1807,14 +1712,13 @@
         </p:nvPicPr>
         <p:blipFill>
           <a:blip r:embed="rId2"/>
-          <a:stretch>
-            <a:fillRect/>
-          </a:stretch>
+          <a:srcRect/>
+          <a:stretch/>
         </p:blipFill>
         <p:spPr>
           <a:xfrm>
-            <a:off x="10964250" y="158272"/>
-            <a:ext cx="1063580" cy="1220148"/>
+            <a:off x="10964250" y="236556"/>
+            <a:ext cx="1063580" cy="1063580"/>
           </a:xfrm>
           <a:prstGeom prst="rect">
             <a:avLst/>
@@ -2070,7 +1974,7 @@
             <a:fld id="{241EB5C9-1307-BA42-ABA2-0BC069CD8E7F}" type="datetimeFigureOut">
               <a:rPr lang="en-US" smtClean="0"/>
               <a:pPr/>
-              <a:t>9/30/22</a:t>
+              <a:t>9/24/23</a:t>
             </a:fld>
             <a:endParaRPr lang="en-US"/>
           </a:p>
@@ -2263,7 +2167,7 @@
           <a:p>
             <a:fld id="{241EB5C9-1307-BA42-ABA2-0BC069CD8E7F}" type="datetimeFigureOut">
               <a:rPr lang="en-US" smtClean="0"/>
-              <a:t>9/30/22</a:t>
+              <a:t>9/24/23</a:t>
             </a:fld>
             <a:endParaRPr lang="en-US"/>
           </a:p>
@@ -2333,7 +2237,7 @@
       </p:sp>
       <p:pic>
         <p:nvPicPr>
-          <p:cNvPr id="3" name="Picture 2" descr="A picture containing text, primate, monitor, indoor&#10;&#10;Description automatically generated">
+          <p:cNvPr id="3" name="Picture 2">
             <a:extLst>
               <a:ext uri="{FF2B5EF4-FFF2-40B4-BE49-F238E27FC236}">
                 <a16:creationId xmlns:a16="http://schemas.microsoft.com/office/drawing/2014/main" id="{A8EB6A88-2E41-552F-6E71-A9DFA92F0663}"/>
@@ -2347,14 +2251,13 @@
         </p:nvPicPr>
         <p:blipFill>
           <a:blip r:embed="rId2"/>
-          <a:stretch>
-            <a:fillRect/>
-          </a:stretch>
+          <a:srcRect/>
+          <a:stretch/>
         </p:blipFill>
         <p:spPr>
           <a:xfrm>
-            <a:off x="10994730" y="131289"/>
-            <a:ext cx="1063580" cy="1220148"/>
+            <a:off x="10994730" y="209573"/>
+            <a:ext cx="1063580" cy="1063580"/>
           </a:xfrm>
           <a:prstGeom prst="rect">
             <a:avLst/>
@@ -2782,7 +2685,7 @@
             <a:fld id="{241EB5C9-1307-BA42-ABA2-0BC069CD8E7F}" type="datetimeFigureOut">
               <a:rPr lang="en-US" smtClean="0"/>
               <a:pPr/>
-              <a:t>9/30/22</a:t>
+              <a:t>9/24/23</a:t>
             </a:fld>
             <a:endParaRPr lang="en-US"/>
           </a:p>
@@ -3435,7 +3338,7 @@
             <a:fld id="{241EB5C9-1307-BA42-ABA2-0BC069CD8E7F}" type="datetimeFigureOut">
               <a:rPr lang="en-US" smtClean="0"/>
               <a:pPr/>
-              <a:t>9/30/22</a:t>
+              <a:t>9/24/23</a:t>
             </a:fld>
             <a:endParaRPr lang="en-US"/>
           </a:p>
@@ -3639,7 +3542,7 @@
             <a:fld id="{241EB5C9-1307-BA42-ABA2-0BC069CD8E7F}" type="datetimeFigureOut">
               <a:rPr lang="en-US" smtClean="0"/>
               <a:pPr/>
-              <a:t>9/30/22</a:t>
+              <a:t>9/24/23</a:t>
             </a:fld>
             <a:endParaRPr lang="en-US"/>
           </a:p>
@@ -3732,7 +3635,7 @@
       </p:sp>
       <p:pic>
         <p:nvPicPr>
-          <p:cNvPr id="6" name="Picture 5" descr="A picture containing text, primate, monitor, indoor&#10;&#10;Description automatically generated">
+          <p:cNvPr id="6" name="Picture 5">
             <a:extLst>
               <a:ext uri="{FF2B5EF4-FFF2-40B4-BE49-F238E27FC236}">
                 <a16:creationId xmlns:a16="http://schemas.microsoft.com/office/drawing/2014/main" id="{0D355E77-5B2E-A2EF-706B-9C4916EA9A9E}"/>
@@ -3746,14 +3649,13 @@
         </p:nvPicPr>
         <p:blipFill>
           <a:blip r:embed="rId2"/>
-          <a:stretch>
-            <a:fillRect/>
-          </a:stretch>
+          <a:srcRect/>
+          <a:stretch/>
         </p:blipFill>
         <p:spPr>
           <a:xfrm>
-            <a:off x="10994730" y="161769"/>
-            <a:ext cx="1063580" cy="1220148"/>
+            <a:off x="10994730" y="240053"/>
+            <a:ext cx="1063580" cy="1063580"/>
           </a:xfrm>
           <a:prstGeom prst="rect">
             <a:avLst/>
@@ -3813,7 +3715,7 @@
           <a:p>
             <a:fld id="{241EB5C9-1307-BA42-ABA2-0BC069CD8E7F}" type="datetimeFigureOut">
               <a:rPr lang="en-US" smtClean="0"/>
-              <a:t>9/30/22</a:t>
+              <a:t>9/24/23</a:t>
             </a:fld>
             <a:endParaRPr lang="en-US"/>
           </a:p>
@@ -4232,7 +4134,7 @@
             <a:fld id="{241EB5C9-1307-BA42-ABA2-0BC069CD8E7F}" type="datetimeFigureOut">
               <a:rPr lang="en-US" smtClean="0"/>
               <a:pPr/>
-              <a:t>9/30/22</a:t>
+              <a:t>9/24/23</a:t>
             </a:fld>
             <a:endParaRPr lang="en-US"/>
           </a:p>
@@ -4596,7 +4498,7 @@
             <a:fld id="{241EB5C9-1307-BA42-ABA2-0BC069CD8E7F}" type="datetimeFigureOut">
               <a:rPr lang="en-US" smtClean="0"/>
               <a:pPr/>
-              <a:t>9/30/22</a:t>
+              <a:t>9/24/23</a:t>
             </a:fld>
             <a:endParaRPr lang="en-US"/>
           </a:p>
@@ -4840,7 +4742,7 @@
             <a:fld id="{241EB5C9-1307-BA42-ABA2-0BC069CD8E7F}" type="datetimeFigureOut">
               <a:rPr lang="en-US" smtClean="0"/>
               <a:pPr/>
-              <a:t>9/30/22</a:t>
+              <a:t>9/24/23</a:t>
             </a:fld>
             <a:endParaRPr lang="en-US"/>
           </a:p>
@@ -5331,10 +5233,7 @@
           <a:bodyPr/>
           <a:lstStyle/>
           <a:p>
-            <a:r>
-              <a:rPr dirty="0"/>
-              <a:t>Slides 1</a:t>
-            </a:r>
+            <a:endParaRPr dirty="0"/>
           </a:p>
         </p:txBody>
       </p:sp>
@@ -5370,577 +5269,7 @@
             <a:br>
               <a:rPr dirty="0"/>
             </a:br>
-            <a:r>
-              <a:rPr lang="en-GB" dirty="0"/>
-              <a:t>Gordon Wright</a:t>
-            </a:r>
             <a:endParaRPr dirty="0"/>
-          </a:p>
-        </p:txBody>
-      </p:sp>
-    </p:spTree>
-  </p:cSld>
-  <p:clrMapOvr>
-    <a:masterClrMapping/>
-  </p:clrMapOvr>
-</p:sld>
-</file>
-
-<file path=ppt/slides/slide2.xml><?xml version="1.0" encoding="utf-8"?>
-<p:sld xmlns:a="http://schemas.openxmlformats.org/drawingml/2006/main" xmlns:r="http://schemas.openxmlformats.org/officeDocument/2006/relationships" xmlns:p="http://schemas.openxmlformats.org/presentationml/2006/main">
-  <p:cSld>
-    <p:spTree>
-      <p:nvGrpSpPr>
-        <p:cNvPr id="1" name=""/>
-        <p:cNvGrpSpPr/>
-        <p:nvPr/>
-      </p:nvGrpSpPr>
-      <p:grpSpPr>
-        <a:xfrm>
-          <a:off x="0" y="0"/>
-          <a:ext cx="0" cy="0"/>
-          <a:chOff x="0" y="0"/>
-          <a:chExt cx="0" cy="0"/>
-        </a:xfrm>
-      </p:grpSpPr>
-      <p:sp>
-        <p:nvSpPr>
-          <p:cNvPr id="2" name="Title 1">
-            <a:extLst>
-              <a:ext uri="{FF2B5EF4-FFF2-40B4-BE49-F238E27FC236}">
-                <a16:creationId xmlns:a16="http://schemas.microsoft.com/office/drawing/2014/main" id="{FF6A6CB2-D1B6-B94A-84C1-83C65423C650}"/>
-              </a:ext>
-            </a:extLst>
-          </p:cNvPr>
-          <p:cNvSpPr>
-            <a:spLocks noGrp="1"/>
-          </p:cNvSpPr>
-          <p:nvPr>
-            <p:ph type="title"/>
-          </p:nvPr>
-        </p:nvSpPr>
-        <p:spPr>
-          <a:xfrm>
-            <a:off x="2147888" y="1709742"/>
-            <a:ext cx="7886700" cy="2852737"/>
-          </a:xfrm>
-          <a:prstGeom prst="rect">
-            <a:avLst/>
-          </a:prstGeom>
-        </p:spPr>
-        <p:txBody>
-          <a:bodyPr/>
-          <a:lstStyle/>
-          <a:p>
-            <a:r>
-              <a:rPr dirty="0"/>
-              <a:t>Test 1</a:t>
-            </a:r>
-          </a:p>
-        </p:txBody>
-      </p:sp>
-    </p:spTree>
-  </p:cSld>
-  <p:clrMapOvr>
-    <a:masterClrMapping/>
-  </p:clrMapOvr>
-</p:sld>
-</file>
-
-<file path=ppt/slides/slide3.xml><?xml version="1.0" encoding="utf-8"?>
-<p:sld xmlns:a="http://schemas.openxmlformats.org/drawingml/2006/main" xmlns:r="http://schemas.openxmlformats.org/officeDocument/2006/relationships" xmlns:p="http://schemas.openxmlformats.org/presentationml/2006/main">
-  <p:cSld>
-    <p:spTree>
-      <p:nvGrpSpPr>
-        <p:cNvPr id="1" name=""/>
-        <p:cNvGrpSpPr/>
-        <p:nvPr/>
-      </p:nvGrpSpPr>
-      <p:grpSpPr>
-        <a:xfrm>
-          <a:off x="0" y="0"/>
-          <a:ext cx="0" cy="0"/>
-          <a:chOff x="0" y="0"/>
-          <a:chExt cx="0" cy="0"/>
-        </a:xfrm>
-      </p:grpSpPr>
-      <p:sp>
-        <p:nvSpPr>
-          <p:cNvPr id="2" name="Title 1">
-            <a:extLst>
-              <a:ext uri="{FF2B5EF4-FFF2-40B4-BE49-F238E27FC236}">
-                <a16:creationId xmlns:a16="http://schemas.microsoft.com/office/drawing/2014/main" id="{DD9B8E45-0772-954C-8D4B-6E6808DFEDED}"/>
-              </a:ext>
-            </a:extLst>
-          </p:cNvPr>
-          <p:cNvSpPr>
-            <a:spLocks noGrp="1"/>
-          </p:cNvSpPr>
-          <p:nvPr>
-            <p:ph type="title"/>
-          </p:nvPr>
-        </p:nvSpPr>
-        <p:spPr>
-          <a:xfrm>
-            <a:off x="838200" y="365129"/>
-            <a:ext cx="9201150" cy="1325563"/>
-          </a:xfrm>
-          <a:prstGeom prst="rect">
-            <a:avLst/>
-          </a:prstGeom>
-        </p:spPr>
-        <p:txBody>
-          <a:bodyPr/>
-          <a:lstStyle/>
-          <a:p>
-            <a:r>
-              <a:rPr dirty="0"/>
-              <a:t>Test 2 Sub heading</a:t>
-            </a:r>
-          </a:p>
-        </p:txBody>
-      </p:sp>
-      <p:sp>
-        <p:nvSpPr>
-          <p:cNvPr id="3" name="Content Placeholder 2">
-            <a:extLst>
-              <a:ext uri="{FF2B5EF4-FFF2-40B4-BE49-F238E27FC236}">
-                <a16:creationId xmlns:a16="http://schemas.microsoft.com/office/drawing/2014/main" id="{A4EB24F9-04F1-C843-9D71-56C5C024552B}"/>
-              </a:ext>
-            </a:extLst>
-          </p:cNvPr>
-          <p:cNvSpPr>
-            <a:spLocks noGrp="1"/>
-          </p:cNvSpPr>
-          <p:nvPr>
-            <p:ph idx="1"/>
-          </p:nvPr>
-        </p:nvSpPr>
-        <p:spPr/>
-        <p:txBody>
-          <a:bodyPr vert="horz" lIns="90000" tIns="45720" rIns="91440" bIns="45720" rtlCol="0">
-            <a:normAutofit/>
-          </a:bodyPr>
-          <a:lstStyle/>
-          <a:p>
-            <a:pPr marL="0" indent="0">
-              <a:lnSpc>
-                <a:spcPct val="150000"/>
-              </a:lnSpc>
-              <a:spcBef>
-                <a:spcPts val="0"/>
-              </a:spcBef>
-              <a:buNone/>
-            </a:pPr>
-            <a:r>
-              <a:rPr dirty="0"/>
-              <a:t>Text here. Here is all my new material.</a:t>
-            </a:r>
-          </a:p>
-        </p:txBody>
-      </p:sp>
-    </p:spTree>
-  </p:cSld>
-  <p:clrMapOvr>
-    <a:masterClrMapping/>
-  </p:clrMapOvr>
-</p:sld>
-</file>
-
-<file path=ppt/slides/slide4.xml><?xml version="1.0" encoding="utf-8"?>
-<p:sld xmlns:a="http://schemas.openxmlformats.org/drawingml/2006/main" xmlns:r="http://schemas.openxmlformats.org/officeDocument/2006/relationships" xmlns:p="http://schemas.openxmlformats.org/presentationml/2006/main">
-  <p:cSld>
-    <p:spTree>
-      <p:nvGrpSpPr>
-        <p:cNvPr id="1" name=""/>
-        <p:cNvGrpSpPr/>
-        <p:nvPr/>
-      </p:nvGrpSpPr>
-      <p:grpSpPr>
-        <a:xfrm>
-          <a:off x="0" y="0"/>
-          <a:ext cx="0" cy="0"/>
-          <a:chOff x="0" y="0"/>
-          <a:chExt cx="0" cy="0"/>
-        </a:xfrm>
-      </p:grpSpPr>
-      <p:sp>
-        <p:nvSpPr>
-          <p:cNvPr id="2" name="Title 1">
-            <a:extLst>
-              <a:ext uri="{FF2B5EF4-FFF2-40B4-BE49-F238E27FC236}">
-                <a16:creationId xmlns:a16="http://schemas.microsoft.com/office/drawing/2014/main" id="{DD9B8E45-0772-954C-8D4B-6E6808DFEDED}"/>
-              </a:ext>
-            </a:extLst>
-          </p:cNvPr>
-          <p:cNvSpPr>
-            <a:spLocks noGrp="1"/>
-          </p:cNvSpPr>
-          <p:nvPr>
-            <p:ph type="title"/>
-          </p:nvPr>
-        </p:nvSpPr>
-        <p:spPr>
-          <a:xfrm>
-            <a:off x="2152650" y="365129"/>
-            <a:ext cx="7886700" cy="1325563"/>
-          </a:xfrm>
-          <a:prstGeom prst="rect">
-            <a:avLst/>
-          </a:prstGeom>
-        </p:spPr>
-        <p:txBody>
-          <a:bodyPr/>
-          <a:lstStyle/>
-          <a:p>
-            <a:r>
-              <a:t>New slide</a:t>
-            </a:r>
-          </a:p>
-        </p:txBody>
-      </p:sp>
-      <p:pic>
-        <p:nvPicPr>
-          <p:cNvPr id="3" name="Picture 1" descr="_images/cat.png"/>
-          <p:cNvPicPr>
-            <a:picLocks noGrp="1" noChangeAspect="1"/>
-          </p:cNvPicPr>
-          <p:nvPr/>
-        </p:nvPicPr>
-        <p:blipFill>
-          <a:blip r:embed="rId2"/>
-          <a:stretch>
-            <a:fillRect/>
-          </a:stretch>
-        </p:blipFill>
-        <p:spPr bwMode="auto">
-          <a:xfrm>
-            <a:off x="2159000" y="1816100"/>
-            <a:ext cx="7848600" cy="4343400"/>
-          </a:xfrm>
-          <a:prstGeom prst="rect">
-            <a:avLst/>
-          </a:prstGeom>
-          <a:noFill/>
-          <a:ln w="9525">
-            <a:noFill/>
-            <a:headEnd/>
-            <a:tailEnd/>
-          </a:ln>
-        </p:spPr>
-      </p:pic>
-    </p:spTree>
-  </p:cSld>
-  <p:clrMapOvr>
-    <a:masterClrMapping/>
-  </p:clrMapOvr>
-</p:sld>
-</file>
-
-<file path=ppt/slides/slide5.xml><?xml version="1.0" encoding="utf-8"?>
-<p:sld xmlns:a="http://schemas.openxmlformats.org/drawingml/2006/main" xmlns:r="http://schemas.openxmlformats.org/officeDocument/2006/relationships" xmlns:p="http://schemas.openxmlformats.org/presentationml/2006/main">
-  <p:cSld>
-    <p:spTree>
-      <p:nvGrpSpPr>
-        <p:cNvPr id="1" name=""/>
-        <p:cNvGrpSpPr/>
-        <p:nvPr/>
-      </p:nvGrpSpPr>
-      <p:grpSpPr>
-        <a:xfrm>
-          <a:off x="0" y="0"/>
-          <a:ext cx="0" cy="0"/>
-          <a:chOff x="0" y="0"/>
-          <a:chExt cx="0" cy="0"/>
-        </a:xfrm>
-      </p:grpSpPr>
-      <p:sp>
-        <p:nvSpPr>
-          <p:cNvPr id="2" name="Title 1">
-            <a:extLst>
-              <a:ext uri="{FF2B5EF4-FFF2-40B4-BE49-F238E27FC236}">
-                <a16:creationId xmlns:a16="http://schemas.microsoft.com/office/drawing/2014/main" id="{DD9B8E45-0772-954C-8D4B-6E6808DFEDED}"/>
-              </a:ext>
-            </a:extLst>
-          </p:cNvPr>
-          <p:cNvSpPr>
-            <a:spLocks noGrp="1"/>
-          </p:cNvSpPr>
-          <p:nvPr>
-            <p:ph type="title"/>
-          </p:nvPr>
-        </p:nvSpPr>
-        <p:spPr>
-          <a:xfrm>
-            <a:off x="1097280" y="365129"/>
-            <a:ext cx="8942070" cy="1325563"/>
-          </a:xfrm>
-          <a:prstGeom prst="rect">
-            <a:avLst/>
-          </a:prstGeom>
-        </p:spPr>
-        <p:txBody>
-          <a:bodyPr/>
-          <a:lstStyle/>
-          <a:p>
-            <a:r>
-              <a:rPr dirty="0"/>
-              <a:t>Incremental Lists</a:t>
-            </a:r>
-          </a:p>
-        </p:txBody>
-      </p:sp>
-      <p:sp>
-        <p:nvSpPr>
-          <p:cNvPr id="3" name="Content Placeholder 2">
-            <a:extLst>
-              <a:ext uri="{FF2B5EF4-FFF2-40B4-BE49-F238E27FC236}">
-                <a16:creationId xmlns:a16="http://schemas.microsoft.com/office/drawing/2014/main" id="{A4EB24F9-04F1-C843-9D71-56C5C024552B}"/>
-              </a:ext>
-            </a:extLst>
-          </p:cNvPr>
-          <p:cNvSpPr>
-            <a:spLocks noGrp="1"/>
-          </p:cNvSpPr>
-          <p:nvPr>
-            <p:ph idx="1"/>
-          </p:nvPr>
-        </p:nvSpPr>
-        <p:spPr/>
-        <p:txBody>
-          <a:bodyPr/>
-          <a:lstStyle/>
-          <a:p>
-            <a:pPr lvl="1">
-              <a:lnSpc>
-                <a:spcPct val="150000"/>
-              </a:lnSpc>
-            </a:pPr>
-            <a:r>
-              <a:rPr dirty="0"/>
-              <a:t>Put in code fence</a:t>
-            </a:r>
-          </a:p>
-          <a:p>
-            <a:pPr lvl="1"/>
-            <a:r>
-              <a:rPr dirty="0"/>
-              <a:t>Using three colons</a:t>
-            </a:r>
-          </a:p>
-        </p:txBody>
-      </p:sp>
-    </p:spTree>
-  </p:cSld>
-  <p:clrMapOvr>
-    <a:masterClrMapping/>
-  </p:clrMapOvr>
-</p:sld>
-</file>
-
-<file path=ppt/slides/slide6.xml><?xml version="1.0" encoding="utf-8"?>
-<p:sld xmlns:a="http://schemas.openxmlformats.org/drawingml/2006/main" xmlns:r="http://schemas.openxmlformats.org/officeDocument/2006/relationships" xmlns:p="http://schemas.openxmlformats.org/presentationml/2006/main">
-  <p:cSld>
-    <p:spTree>
-      <p:nvGrpSpPr>
-        <p:cNvPr id="1" name=""/>
-        <p:cNvGrpSpPr/>
-        <p:nvPr/>
-      </p:nvGrpSpPr>
-      <p:grpSpPr>
-        <a:xfrm>
-          <a:off x="0" y="0"/>
-          <a:ext cx="0" cy="0"/>
-          <a:chOff x="0" y="0"/>
-          <a:chExt cx="0" cy="0"/>
-        </a:xfrm>
-      </p:grpSpPr>
-      <p:sp>
-        <p:nvSpPr>
-          <p:cNvPr id="2" name="Title 1">
-            <a:extLst>
-              <a:ext uri="{FF2B5EF4-FFF2-40B4-BE49-F238E27FC236}">
-                <a16:creationId xmlns:a16="http://schemas.microsoft.com/office/drawing/2014/main" id="{DD9B8E45-0772-954C-8D4B-6E6808DFEDED}"/>
-              </a:ext>
-            </a:extLst>
-          </p:cNvPr>
-          <p:cNvSpPr>
-            <a:spLocks noGrp="1"/>
-          </p:cNvSpPr>
-          <p:nvPr>
-            <p:ph type="title"/>
-          </p:nvPr>
-        </p:nvSpPr>
-        <p:spPr>
-          <a:xfrm>
-            <a:off x="838200" y="365129"/>
-            <a:ext cx="9201150" cy="1325563"/>
-          </a:xfrm>
-          <a:prstGeom prst="rect">
-            <a:avLst/>
-          </a:prstGeom>
-        </p:spPr>
-        <p:txBody>
-          <a:bodyPr/>
-          <a:lstStyle/>
-          <a:p>
-            <a:r>
-              <a:rPr dirty="0"/>
-              <a:t>Speaker Notes</a:t>
-            </a:r>
-          </a:p>
-        </p:txBody>
-      </p:sp>
-      <p:sp>
-        <p:nvSpPr>
-          <p:cNvPr id="3" name="Content Placeholder 2">
-            <a:extLst>
-              <a:ext uri="{FF2B5EF4-FFF2-40B4-BE49-F238E27FC236}">
-                <a16:creationId xmlns:a16="http://schemas.microsoft.com/office/drawing/2014/main" id="{A4EB24F9-04F1-C843-9D71-56C5C024552B}"/>
-              </a:ext>
-            </a:extLst>
-          </p:cNvPr>
-          <p:cNvSpPr>
-            <a:spLocks noGrp="1"/>
-          </p:cNvSpPr>
-          <p:nvPr>
-            <p:ph idx="1"/>
-          </p:nvPr>
-        </p:nvSpPr>
-        <p:spPr/>
-        <p:txBody>
-          <a:bodyPr/>
-          <a:lstStyle/>
-          <a:p>
-            <a:pPr marL="0" indent="0">
-              <a:buNone/>
-            </a:pPr>
-            <a:r>
-              <a:rPr dirty="0"/>
-              <a:t>Include speaker notes in another fenced code block.</a:t>
-            </a:r>
-          </a:p>
-        </p:txBody>
-      </p:sp>
-    </p:spTree>
-  </p:cSld>
-  <p:clrMapOvr>
-    <a:masterClrMapping/>
-  </p:clrMapOvr>
-</p:sld>
-</file>
-
-<file path=ppt/slides/slide7.xml><?xml version="1.0" encoding="utf-8"?>
-<p:sld xmlns:a="http://schemas.openxmlformats.org/drawingml/2006/main" xmlns:r="http://schemas.openxmlformats.org/officeDocument/2006/relationships" xmlns:p="http://schemas.openxmlformats.org/presentationml/2006/main">
-  <p:cSld>
-    <p:spTree>
-      <p:nvGrpSpPr>
-        <p:cNvPr id="1" name=""/>
-        <p:cNvGrpSpPr/>
-        <p:nvPr/>
-      </p:nvGrpSpPr>
-      <p:grpSpPr>
-        <a:xfrm>
-          <a:off x="0" y="0"/>
-          <a:ext cx="0" cy="0"/>
-          <a:chOff x="0" y="0"/>
-          <a:chExt cx="0" cy="0"/>
-        </a:xfrm>
-      </p:grpSpPr>
-      <p:sp>
-        <p:nvSpPr>
-          <p:cNvPr id="2" name="Title 1">
-            <a:extLst>
-              <a:ext uri="{FF2B5EF4-FFF2-40B4-BE49-F238E27FC236}">
-                <a16:creationId xmlns:a16="http://schemas.microsoft.com/office/drawing/2014/main" id="{2ECFDBC1-527D-3041-984A-EF5E7E9B7495}"/>
-              </a:ext>
-            </a:extLst>
-          </p:cNvPr>
-          <p:cNvSpPr>
-            <a:spLocks noGrp="1"/>
-          </p:cNvSpPr>
-          <p:nvPr>
-            <p:ph type="title"/>
-          </p:nvPr>
-        </p:nvSpPr>
-        <p:spPr>
-          <a:xfrm>
-            <a:off x="838200" y="365129"/>
-            <a:ext cx="9201150" cy="1325563"/>
-          </a:xfrm>
-          <a:prstGeom prst="rect">
-            <a:avLst/>
-          </a:prstGeom>
-        </p:spPr>
-        <p:txBody>
-          <a:bodyPr/>
-          <a:lstStyle/>
-          <a:p>
-            <a:r>
-              <a:rPr dirty="0"/>
-              <a:t>Columns</a:t>
-            </a:r>
-          </a:p>
-        </p:txBody>
-      </p:sp>
-      <p:sp>
-        <p:nvSpPr>
-          <p:cNvPr id="3" name="Content Placeholder 2">
-            <a:extLst>
-              <a:ext uri="{FF2B5EF4-FFF2-40B4-BE49-F238E27FC236}">
-                <a16:creationId xmlns:a16="http://schemas.microsoft.com/office/drawing/2014/main" id="{63FA7BF1-44B1-744C-AB68-4BB0A6A5977E}"/>
-              </a:ext>
-            </a:extLst>
-          </p:cNvPr>
-          <p:cNvSpPr>
-            <a:spLocks noGrp="1"/>
-          </p:cNvSpPr>
-          <p:nvPr>
-            <p:ph sz="half" idx="1"/>
-          </p:nvPr>
-        </p:nvSpPr>
-        <p:spPr/>
-        <p:txBody>
-          <a:bodyPr/>
-          <a:lstStyle/>
-          <a:p>
-            <a:pPr marL="0" indent="0">
-              <a:buNone/>
-            </a:pPr>
-            <a:r>
-              <a:rPr dirty="0"/>
-              <a:t>Put your contents in column code blocks</a:t>
-            </a:r>
-          </a:p>
-        </p:txBody>
-      </p:sp>
-      <p:sp>
-        <p:nvSpPr>
-          <p:cNvPr id="4" name="Content Placeholder 3">
-            <a:extLst>
-              <a:ext uri="{FF2B5EF4-FFF2-40B4-BE49-F238E27FC236}">
-                <a16:creationId xmlns:a16="http://schemas.microsoft.com/office/drawing/2014/main" id="{3B974A49-6A1E-2F48-B419-02B0A17B9692}"/>
-              </a:ext>
-            </a:extLst>
-          </p:cNvPr>
-          <p:cNvSpPr>
-            <a:spLocks noGrp="1"/>
-          </p:cNvSpPr>
-          <p:nvPr>
-            <p:ph sz="half" idx="2"/>
-          </p:nvPr>
-        </p:nvSpPr>
-        <p:spPr/>
-        <p:txBody>
-          <a:bodyPr/>
-          <a:lstStyle/>
-          <a:p>
-            <a:pPr marL="0" indent="0">
-              <a:buNone/>
-            </a:pPr>
-            <a:r>
-              <a:t>To make them show up in two columns</a:t>
-            </a:r>
           </a:p>
         </p:txBody>
       </p:sp>

--- a/slides/_resources/templates/pptx/RMLecturepptxTemplate.pptx
+++ b/slides/_resources/templates/pptx/RMLecturepptxTemplate.pptx
@@ -208,7 +208,7 @@
           <a:p>
             <a:fld id="{0F9C1CCF-B725-44A7-AA57-5E433BD85C9F}" type="datetimeFigureOut">
               <a:rPr lang="en-US" smtClean="0"/>
-              <a:t>9/24/23</a:t>
+              <a:t>9/26/23</a:t>
             </a:fld>
             <a:endParaRPr lang="en-US"/>
           </a:p>
@@ -651,7 +651,7 @@
             <a:fld id="{241EB5C9-1307-BA42-ABA2-0BC069CD8E7F}" type="datetimeFigureOut">
               <a:rPr lang="en-US" smtClean="0"/>
               <a:pPr/>
-              <a:t>9/24/23</a:t>
+              <a:t>9/26/23</a:t>
             </a:fld>
             <a:endParaRPr lang="en-US" dirty="0"/>
           </a:p>
@@ -994,7 +994,7 @@
             <a:fld id="{241EB5C9-1307-BA42-ABA2-0BC069CD8E7F}" type="datetimeFigureOut">
               <a:rPr lang="en-US" smtClean="0"/>
               <a:pPr/>
-              <a:t>9/24/23</a:t>
+              <a:t>9/26/23</a:t>
             </a:fld>
             <a:endParaRPr lang="en-US"/>
           </a:p>
@@ -1312,7 +1312,7 @@
             <a:fld id="{241EB5C9-1307-BA42-ABA2-0BC069CD8E7F}" type="datetimeFigureOut">
               <a:rPr lang="en-US" smtClean="0"/>
               <a:pPr/>
-              <a:t>9/24/23</a:t>
+              <a:t>9/26/23</a:t>
             </a:fld>
             <a:endParaRPr lang="en-US"/>
           </a:p>
@@ -1628,7 +1628,7 @@
           <a:p>
             <a:fld id="{241EB5C9-1307-BA42-ABA2-0BC069CD8E7F}" type="datetimeFigureOut">
               <a:rPr lang="en-US" smtClean="0"/>
-              <a:t>9/24/23</a:t>
+              <a:t>9/26/23</a:t>
             </a:fld>
             <a:endParaRPr lang="en-US"/>
           </a:p>
@@ -1974,7 +1974,7 @@
             <a:fld id="{241EB5C9-1307-BA42-ABA2-0BC069CD8E7F}" type="datetimeFigureOut">
               <a:rPr lang="en-US" smtClean="0"/>
               <a:pPr/>
-              <a:t>9/24/23</a:t>
+              <a:t>9/26/23</a:t>
             </a:fld>
             <a:endParaRPr lang="en-US"/>
           </a:p>
@@ -2167,7 +2167,7 @@
           <a:p>
             <a:fld id="{241EB5C9-1307-BA42-ABA2-0BC069CD8E7F}" type="datetimeFigureOut">
               <a:rPr lang="en-US" smtClean="0"/>
-              <a:t>9/24/23</a:t>
+              <a:t>9/26/23</a:t>
             </a:fld>
             <a:endParaRPr lang="en-US"/>
           </a:p>
@@ -2685,7 +2685,7 @@
             <a:fld id="{241EB5C9-1307-BA42-ABA2-0BC069CD8E7F}" type="datetimeFigureOut">
               <a:rPr lang="en-US" smtClean="0"/>
               <a:pPr/>
-              <a:t>9/24/23</a:t>
+              <a:t>9/26/23</a:t>
             </a:fld>
             <a:endParaRPr lang="en-US"/>
           </a:p>
@@ -3338,7 +3338,7 @@
             <a:fld id="{241EB5C9-1307-BA42-ABA2-0BC069CD8E7F}" type="datetimeFigureOut">
               <a:rPr lang="en-US" smtClean="0"/>
               <a:pPr/>
-              <a:t>9/24/23</a:t>
+              <a:t>9/26/23</a:t>
             </a:fld>
             <a:endParaRPr lang="en-US"/>
           </a:p>
@@ -3542,7 +3542,7 @@
             <a:fld id="{241EB5C9-1307-BA42-ABA2-0BC069CD8E7F}" type="datetimeFigureOut">
               <a:rPr lang="en-US" smtClean="0"/>
               <a:pPr/>
-              <a:t>9/24/23</a:t>
+              <a:t>9/26/23</a:t>
             </a:fld>
             <a:endParaRPr lang="en-US"/>
           </a:p>
@@ -3715,7 +3715,7 @@
           <a:p>
             <a:fld id="{241EB5C9-1307-BA42-ABA2-0BC069CD8E7F}" type="datetimeFigureOut">
               <a:rPr lang="en-US" smtClean="0"/>
-              <a:t>9/24/23</a:t>
+              <a:t>9/26/23</a:t>
             </a:fld>
             <a:endParaRPr lang="en-US"/>
           </a:p>
@@ -4134,7 +4134,7 @@
             <a:fld id="{241EB5C9-1307-BA42-ABA2-0BC069CD8E7F}" type="datetimeFigureOut">
               <a:rPr lang="en-US" smtClean="0"/>
               <a:pPr/>
-              <a:t>9/24/23</a:t>
+              <a:t>9/26/23</a:t>
             </a:fld>
             <a:endParaRPr lang="en-US"/>
           </a:p>
@@ -4498,7 +4498,7 @@
             <a:fld id="{241EB5C9-1307-BA42-ABA2-0BC069CD8E7F}" type="datetimeFigureOut">
               <a:rPr lang="en-US" smtClean="0"/>
               <a:pPr/>
-              <a:t>9/24/23</a:t>
+              <a:t>9/26/23</a:t>
             </a:fld>
             <a:endParaRPr lang="en-US"/>
           </a:p>
@@ -4742,7 +4742,7 @@
             <a:fld id="{241EB5C9-1307-BA42-ABA2-0BC069CD8E7F}" type="datetimeFigureOut">
               <a:rPr lang="en-US" smtClean="0"/>
               <a:pPr/>
-              <a:t>9/24/23</a:t>
+              <a:t>9/26/23</a:t>
             </a:fld>
             <a:endParaRPr lang="en-US"/>
           </a:p>
